--- a/paper/figure/figure_ppt.pptx
+++ b/paper/figure/figure_ppt.pptx
@@ -104,6 +104,11 @@
       </a:defRPr>
     </a:lvl9pPr>
   </p:defaultTextStyle>
+  <p:extLst>
+    <p:ext uri="{EFAFB233-063F-42B5-8137-9DF3F51BA10A}">
+      <p15:sldGuideLst xmlns:p15="http://schemas.microsoft.com/office/powerpoint/2012/main"/>
+    </p:ext>
+  </p:extLst>
 </p:presentation>
 </file>
 
@@ -238,7 +243,7 @@
           <a:p>
             <a:fld id="{B6C21F74-3761-6945-8FCD-171E880D77EC}" type="datetimeFigureOut">
               <a:rPr lang="en-US" smtClean="0"/>
-              <a:t>6/10/19</a:t>
+              <a:t>6/13/19</a:t>
             </a:fld>
             <a:endParaRPr lang="en-US"/>
           </a:p>
@@ -408,7 +413,7 @@
           <a:p>
             <a:fld id="{B6C21F74-3761-6945-8FCD-171E880D77EC}" type="datetimeFigureOut">
               <a:rPr lang="en-US" smtClean="0"/>
-              <a:t>6/10/19</a:t>
+              <a:t>6/13/19</a:t>
             </a:fld>
             <a:endParaRPr lang="en-US"/>
           </a:p>
@@ -588,7 +593,7 @@
           <a:p>
             <a:fld id="{B6C21F74-3761-6945-8FCD-171E880D77EC}" type="datetimeFigureOut">
               <a:rPr lang="en-US" smtClean="0"/>
-              <a:t>6/10/19</a:t>
+              <a:t>6/13/19</a:t>
             </a:fld>
             <a:endParaRPr lang="en-US"/>
           </a:p>
@@ -758,7 +763,7 @@
           <a:p>
             <a:fld id="{B6C21F74-3761-6945-8FCD-171E880D77EC}" type="datetimeFigureOut">
               <a:rPr lang="en-US" smtClean="0"/>
-              <a:t>6/10/19</a:t>
+              <a:t>6/13/19</a:t>
             </a:fld>
             <a:endParaRPr lang="en-US"/>
           </a:p>
@@ -1004,7 +1009,7 @@
           <a:p>
             <a:fld id="{B6C21F74-3761-6945-8FCD-171E880D77EC}" type="datetimeFigureOut">
               <a:rPr lang="en-US" smtClean="0"/>
-              <a:t>6/10/19</a:t>
+              <a:t>6/13/19</a:t>
             </a:fld>
             <a:endParaRPr lang="en-US"/>
           </a:p>
@@ -1236,7 +1241,7 @@
           <a:p>
             <a:fld id="{B6C21F74-3761-6945-8FCD-171E880D77EC}" type="datetimeFigureOut">
               <a:rPr lang="en-US" smtClean="0"/>
-              <a:t>6/10/19</a:t>
+              <a:t>6/13/19</a:t>
             </a:fld>
             <a:endParaRPr lang="en-US"/>
           </a:p>
@@ -1603,7 +1608,7 @@
           <a:p>
             <a:fld id="{B6C21F74-3761-6945-8FCD-171E880D77EC}" type="datetimeFigureOut">
               <a:rPr lang="en-US" smtClean="0"/>
-              <a:t>6/10/19</a:t>
+              <a:t>6/13/19</a:t>
             </a:fld>
             <a:endParaRPr lang="en-US"/>
           </a:p>
@@ -1721,7 +1726,7 @@
           <a:p>
             <a:fld id="{B6C21F74-3761-6945-8FCD-171E880D77EC}" type="datetimeFigureOut">
               <a:rPr lang="en-US" smtClean="0"/>
-              <a:t>6/10/19</a:t>
+              <a:t>6/13/19</a:t>
             </a:fld>
             <a:endParaRPr lang="en-US"/>
           </a:p>
@@ -1816,7 +1821,7 @@
           <a:p>
             <a:fld id="{B6C21F74-3761-6945-8FCD-171E880D77EC}" type="datetimeFigureOut">
               <a:rPr lang="en-US" smtClean="0"/>
-              <a:t>6/10/19</a:t>
+              <a:t>6/13/19</a:t>
             </a:fld>
             <a:endParaRPr lang="en-US"/>
           </a:p>
@@ -2093,7 +2098,7 @@
           <a:p>
             <a:fld id="{B6C21F74-3761-6945-8FCD-171E880D77EC}" type="datetimeFigureOut">
               <a:rPr lang="en-US" smtClean="0"/>
-              <a:t>6/10/19</a:t>
+              <a:t>6/13/19</a:t>
             </a:fld>
             <a:endParaRPr lang="en-US"/>
           </a:p>
@@ -2346,7 +2351,7 @@
           <a:p>
             <a:fld id="{B6C21F74-3761-6945-8FCD-171E880D77EC}" type="datetimeFigureOut">
               <a:rPr lang="en-US" smtClean="0"/>
-              <a:t>6/10/19</a:t>
+              <a:t>6/13/19</a:t>
             </a:fld>
             <a:endParaRPr lang="en-US"/>
           </a:p>
@@ -2559,7 +2564,7 @@
           <a:p>
             <a:fld id="{B6C21F74-3761-6945-8FCD-171E880D77EC}" type="datetimeFigureOut">
               <a:rPr lang="en-US" smtClean="0"/>
-              <a:t>6/10/19</a:t>
+              <a:t>6/13/19</a:t>
             </a:fld>
             <a:endParaRPr lang="en-US"/>
           </a:p>
@@ -2966,7 +2971,7 @@
       </p:grpSpPr>
       <p:pic>
         <p:nvPicPr>
-          <p:cNvPr id="5" name="Picture 4"/>
+          <p:cNvPr id="2" name="Picture 1"/>
           <p:cNvPicPr>
             <a:picLocks noChangeAspect="1"/>
           </p:cNvPicPr>
@@ -2986,8 +2991,8 @@
         </p:blipFill>
         <p:spPr>
           <a:xfrm>
-            <a:off x="5988934" y="3318077"/>
-            <a:ext cx="3264408" cy="3264408"/>
+            <a:off x="2724873" y="636608"/>
+            <a:ext cx="6858000" cy="6858000"/>
           </a:xfrm>
           <a:prstGeom prst="rect">
             <a:avLst/>
@@ -2996,7 +3001,7 @@
       </p:pic>
       <p:pic>
         <p:nvPicPr>
-          <p:cNvPr id="6" name="Picture 5"/>
+          <p:cNvPr id="3" name="Picture 2"/>
           <p:cNvPicPr>
             <a:picLocks noChangeAspect="1"/>
           </p:cNvPicPr>
@@ -3016,8 +3021,8 @@
         </p:blipFill>
         <p:spPr>
           <a:xfrm>
-            <a:off x="2525210" y="3318077"/>
-            <a:ext cx="3262132" cy="3262132"/>
+            <a:off x="6291324" y="2939966"/>
+            <a:ext cx="3200400" cy="3200400"/>
           </a:xfrm>
           <a:prstGeom prst="rect">
             <a:avLst/>
@@ -3026,7 +3031,7 @@
       </p:pic>
       <p:pic>
         <p:nvPicPr>
-          <p:cNvPr id="10" name="Picture 9"/>
+          <p:cNvPr id="4" name="Picture 3"/>
           <p:cNvPicPr>
             <a:picLocks noChangeAspect="1"/>
           </p:cNvPicPr>
@@ -3046,8 +3051,8 @@
         </p:blipFill>
         <p:spPr>
           <a:xfrm>
-            <a:off x="2395342" y="464695"/>
-            <a:ext cx="6858000" cy="6858000"/>
+            <a:off x="2999775" y="2939966"/>
+            <a:ext cx="3200400" cy="3200400"/>
           </a:xfrm>
           <a:prstGeom prst="rect">
             <a:avLst/>
